--- a/Idea-Collection_v3.pptx
+++ b/Idea-Collection_v3.pptx
@@ -215,7 +215,7 @@
           <a:p>
             <a:fld id="{7AACEC10-41D1-3247-BDB6-6413247AD755}" type="datetimeFigureOut">
               <a:rPr lang="en-DE" smtClean="0"/>
-              <a:t>15.03.21</a:t>
+              <a:t>21.03.21</a:t>
             </a:fld>
             <a:endParaRPr lang="en-DE"/>
           </a:p>
@@ -968,7 +968,7 @@
           <a:p>
             <a:fld id="{64FDE51B-281C-3E48-9FBD-22554F4469E4}" type="datetimeFigureOut">
               <a:rPr lang="en-DE" smtClean="0"/>
-              <a:t>15.03.21</a:t>
+              <a:t>21.03.21</a:t>
             </a:fld>
             <a:endParaRPr lang="en-DE"/>
           </a:p>
@@ -1168,7 +1168,7 @@
           <a:p>
             <a:fld id="{64FDE51B-281C-3E48-9FBD-22554F4469E4}" type="datetimeFigureOut">
               <a:rPr lang="en-DE" smtClean="0"/>
-              <a:t>15.03.21</a:t>
+              <a:t>21.03.21</a:t>
             </a:fld>
             <a:endParaRPr lang="en-DE"/>
           </a:p>
@@ -1378,7 +1378,7 @@
           <a:p>
             <a:fld id="{64FDE51B-281C-3E48-9FBD-22554F4469E4}" type="datetimeFigureOut">
               <a:rPr lang="en-DE" smtClean="0"/>
-              <a:t>15.03.21</a:t>
+              <a:t>21.03.21</a:t>
             </a:fld>
             <a:endParaRPr lang="en-DE"/>
           </a:p>
@@ -1578,7 +1578,7 @@
           <a:p>
             <a:fld id="{64FDE51B-281C-3E48-9FBD-22554F4469E4}" type="datetimeFigureOut">
               <a:rPr lang="en-DE" smtClean="0"/>
-              <a:t>15.03.21</a:t>
+              <a:t>21.03.21</a:t>
             </a:fld>
             <a:endParaRPr lang="en-DE"/>
           </a:p>
@@ -1854,7 +1854,7 @@
           <a:p>
             <a:fld id="{64FDE51B-281C-3E48-9FBD-22554F4469E4}" type="datetimeFigureOut">
               <a:rPr lang="en-DE" smtClean="0"/>
-              <a:t>15.03.21</a:t>
+              <a:t>21.03.21</a:t>
             </a:fld>
             <a:endParaRPr lang="en-DE"/>
           </a:p>
@@ -2122,7 +2122,7 @@
           <a:p>
             <a:fld id="{64FDE51B-281C-3E48-9FBD-22554F4469E4}" type="datetimeFigureOut">
               <a:rPr lang="en-DE" smtClean="0"/>
-              <a:t>15.03.21</a:t>
+              <a:t>21.03.21</a:t>
             </a:fld>
             <a:endParaRPr lang="en-DE"/>
           </a:p>
@@ -2537,7 +2537,7 @@
           <a:p>
             <a:fld id="{64FDE51B-281C-3E48-9FBD-22554F4469E4}" type="datetimeFigureOut">
               <a:rPr lang="en-DE" smtClean="0"/>
-              <a:t>15.03.21</a:t>
+              <a:t>21.03.21</a:t>
             </a:fld>
             <a:endParaRPr lang="en-DE"/>
           </a:p>
@@ -2679,7 +2679,7 @@
           <a:p>
             <a:fld id="{64FDE51B-281C-3E48-9FBD-22554F4469E4}" type="datetimeFigureOut">
               <a:rPr lang="en-DE" smtClean="0"/>
-              <a:t>15.03.21</a:t>
+              <a:t>21.03.21</a:t>
             </a:fld>
             <a:endParaRPr lang="en-DE"/>
           </a:p>
@@ -2792,7 +2792,7 @@
           <a:p>
             <a:fld id="{64FDE51B-281C-3E48-9FBD-22554F4469E4}" type="datetimeFigureOut">
               <a:rPr lang="en-DE" smtClean="0"/>
-              <a:t>15.03.21</a:t>
+              <a:t>21.03.21</a:t>
             </a:fld>
             <a:endParaRPr lang="en-DE"/>
           </a:p>
@@ -3105,7 +3105,7 @@
           <a:p>
             <a:fld id="{64FDE51B-281C-3E48-9FBD-22554F4469E4}" type="datetimeFigureOut">
               <a:rPr lang="en-DE" smtClean="0"/>
-              <a:t>15.03.21</a:t>
+              <a:t>21.03.21</a:t>
             </a:fld>
             <a:endParaRPr lang="en-DE"/>
           </a:p>
@@ -3394,7 +3394,7 @@
           <a:p>
             <a:fld id="{64FDE51B-281C-3E48-9FBD-22554F4469E4}" type="datetimeFigureOut">
               <a:rPr lang="en-DE" smtClean="0"/>
-              <a:t>15.03.21</a:t>
+              <a:t>21.03.21</a:t>
             </a:fld>
             <a:endParaRPr lang="en-DE"/>
           </a:p>
@@ -3637,7 +3637,7 @@
           <a:p>
             <a:fld id="{64FDE51B-281C-3E48-9FBD-22554F4469E4}" type="datetimeFigureOut">
               <a:rPr lang="en-DE" smtClean="0"/>
-              <a:t>15.03.21</a:t>
+              <a:t>21.03.21</a:t>
             </a:fld>
             <a:endParaRPr lang="en-DE"/>
           </a:p>
@@ -24628,7 +24628,7 @@
         </p:nvSpPr>
         <p:spPr>
           <a:xfrm>
-            <a:off x="1266421" y="1761760"/>
+            <a:off x="1266421" y="1772646"/>
             <a:ext cx="9616547" cy="4591796"/>
           </a:xfrm>
           <a:prstGeom prst="rect">
@@ -24765,7 +24765,7 @@
         </p:nvSpPr>
         <p:spPr>
           <a:xfrm>
-            <a:off x="5497972" y="937278"/>
+            <a:off x="6054391" y="959628"/>
             <a:ext cx="1919001" cy="681286"/>
           </a:xfrm>
           <a:prstGeom prst="rect">
@@ -24938,8 +24938,8 @@
         </p:nvSpPr>
         <p:spPr>
           <a:xfrm>
-            <a:off x="7100980" y="2098824"/>
-            <a:ext cx="2132231" cy="3141842"/>
+            <a:off x="7143022" y="3029868"/>
+            <a:ext cx="2132231" cy="2209046"/>
           </a:xfrm>
           <a:prstGeom prst="rect">
             <a:avLst/>
@@ -25050,7 +25050,7 @@
         </p:nvSpPr>
         <p:spPr>
           <a:xfrm>
-            <a:off x="5504157" y="4517461"/>
+            <a:off x="5113410" y="4760263"/>
             <a:ext cx="1315525" cy="478652"/>
           </a:xfrm>
           <a:prstGeom prst="rect">
@@ -25102,6 +25102,30 @@
               </a:solidFill>
             </a:endParaRPr>
           </a:p>
+          <a:p>
+            <a:pPr algn="ctr"/>
+            <a:r>
+              <a:rPr lang="en-DE" sz="1100" dirty="0">
+                <a:solidFill>
+                  <a:schemeClr val="tx1"/>
+                </a:solidFill>
+              </a:rPr>
+              <a:t>S</a:t>
+            </a:r>
+            <a:r>
+              <a:rPr lang="en-DE" sz="1100" baseline="-25000" dirty="0">
+                <a:solidFill>
+                  <a:schemeClr val="tx1"/>
+                </a:solidFill>
+              </a:rPr>
+              <a:t>t+1</a:t>
+            </a:r>
+            <a:endParaRPr lang="en-GB" sz="1100" dirty="0">
+              <a:solidFill>
+                <a:schemeClr val="tx1"/>
+              </a:solidFill>
+            </a:endParaRPr>
+          </a:p>
         </p:txBody>
       </p:sp>
       <p:sp>
@@ -25118,7 +25142,7 @@
         </p:nvSpPr>
         <p:spPr>
           <a:xfrm>
-            <a:off x="5500156" y="3503892"/>
+            <a:off x="5115594" y="3892725"/>
             <a:ext cx="1315525" cy="478652"/>
           </a:xfrm>
           <a:prstGeom prst="rect">
@@ -25190,9 +25214,9 @@
           <p:nvPr/>
         </p:nvCxnSpPr>
         <p:spPr>
-          <a:xfrm>
-            <a:off x="6157919" y="3982544"/>
-            <a:ext cx="4001" cy="534917"/>
+          <a:xfrm flipH="1">
+            <a:off x="5771173" y="4371377"/>
+            <a:ext cx="2184" cy="388886"/>
           </a:xfrm>
           <a:prstGeom prst="straightConnector1">
             <a:avLst/>
@@ -25233,7 +25257,7 @@
         </p:nvSpPr>
         <p:spPr>
           <a:xfrm>
-            <a:off x="5497972" y="2551217"/>
+            <a:off x="5113410" y="3008418"/>
             <a:ext cx="1315525" cy="478652"/>
           </a:xfrm>
           <a:prstGeom prst="rect">
@@ -25279,6 +25303,25 @@
               </a:rPr>
               <a:t>Game_state_old</a:t>
             </a:r>
+          </a:p>
+          <a:p>
+            <a:pPr algn="ctr"/>
+            <a:r>
+              <a:rPr lang="en-GB" sz="1100" dirty="0" err="1">
+                <a:solidFill>
+                  <a:schemeClr val="tx1"/>
+                </a:solidFill>
+              </a:rPr>
+              <a:t>S</a:t>
+            </a:r>
+            <a:r>
+              <a:rPr lang="en-GB" sz="1100" baseline="-25000" dirty="0" err="1">
+                <a:solidFill>
+                  <a:schemeClr val="tx1"/>
+                </a:solidFill>
+              </a:rPr>
+              <a:t>t</a:t>
+            </a:r>
             <a:endParaRPr lang="en-DE" sz="1100" dirty="0">
               <a:solidFill>
                 <a:schemeClr val="tx1"/>
@@ -25305,8 +25348,8 @@
         </p:nvCxnSpPr>
         <p:spPr>
           <a:xfrm>
-            <a:off x="6155735" y="3029869"/>
-            <a:ext cx="2184" cy="474023"/>
+            <a:off x="5771173" y="3487070"/>
+            <a:ext cx="2184" cy="405655"/>
           </a:xfrm>
           <a:prstGeom prst="straightConnector1">
             <a:avLst/>
@@ -25347,7 +25390,7 @@
         </p:nvSpPr>
         <p:spPr>
           <a:xfrm>
-            <a:off x="7207595" y="4654621"/>
+            <a:off x="7262025" y="4545767"/>
             <a:ext cx="1919001" cy="478652"/>
           </a:xfrm>
           <a:prstGeom prst="rect">
@@ -25568,12 +25611,12 @@
         </p:nvCxnSpPr>
         <p:spPr>
           <a:xfrm rot="5400000">
-            <a:off x="4215350" y="3951969"/>
-            <a:ext cx="902426" cy="2990714"/>
+            <a:off x="4141378" y="4268744"/>
+            <a:ext cx="659624" cy="2599967"/>
           </a:xfrm>
           <a:prstGeom prst="bentConnector3">
             <a:avLst>
-              <a:gd name="adj1" fmla="val 125332"/>
+              <a:gd name="adj1" fmla="val 156110"/>
             </a:avLst>
           </a:prstGeom>
           <a:ln>
@@ -25612,7 +25655,7 @@
         </p:nvSpPr>
         <p:spPr>
           <a:xfrm>
-            <a:off x="2943211" y="2098823"/>
+            <a:off x="3160923" y="2098823"/>
             <a:ext cx="1315525" cy="478652"/>
           </a:xfrm>
           <a:prstGeom prst="rect">
@@ -25658,6 +25701,17 @@
               </a:rPr>
               <a:t>Action</a:t>
             </a:r>
+          </a:p>
+          <a:p>
+            <a:pPr algn="ctr"/>
+            <a:r>
+              <a:rPr lang="en-GB" sz="1100" dirty="0" err="1">
+                <a:solidFill>
+                  <a:schemeClr val="tx1"/>
+                </a:solidFill>
+              </a:rPr>
+              <a:t>a</a:t>
+            </a:r>
             <a:endParaRPr lang="en-DE" sz="1100" dirty="0">
               <a:solidFill>
                 <a:schemeClr val="tx1"/>
@@ -25684,12 +25738,12 @@
         </p:nvCxnSpPr>
         <p:spPr>
           <a:xfrm>
-            <a:off x="4258736" y="2338149"/>
-            <a:ext cx="1241420" cy="1405069"/>
+            <a:off x="4476448" y="2338149"/>
+            <a:ext cx="639146" cy="1793902"/>
           </a:xfrm>
           <a:prstGeom prst="bentConnector3">
             <a:avLst>
-              <a:gd name="adj1" fmla="val 50000"/>
+              <a:gd name="adj1" fmla="val 44891"/>
             </a:avLst>
           </a:prstGeom>
           <a:ln>
@@ -25728,7 +25782,7 @@
         </p:nvSpPr>
         <p:spPr>
           <a:xfrm>
-            <a:off x="7509333" y="3784034"/>
+            <a:off x="7563763" y="3729609"/>
             <a:ext cx="1315525" cy="478652"/>
           </a:xfrm>
           <a:prstGeom prst="rect">
@@ -25772,7 +25826,18 @@
                   <a:schemeClr val="tx1"/>
                 </a:solidFill>
               </a:rPr>
-              <a:t>reward</a:t>
+              <a:t>Reward</a:t>
+            </a:r>
+          </a:p>
+          <a:p>
+            <a:pPr algn="ctr"/>
+            <a:r>
+              <a:rPr lang="en-GB" sz="1100" dirty="0">
+                <a:solidFill>
+                  <a:schemeClr val="tx1"/>
+                </a:solidFill>
+              </a:rPr>
+              <a:t>r</a:t>
             </a:r>
             <a:endParaRPr lang="en-DE" sz="1100" dirty="0">
               <a:solidFill>
@@ -25800,8 +25865,8 @@
         </p:nvCxnSpPr>
         <p:spPr>
           <a:xfrm flipV="1">
-            <a:off x="8167096" y="4262686"/>
-            <a:ext cx="0" cy="391935"/>
+            <a:off x="8221526" y="4208261"/>
+            <a:ext cx="0" cy="337506"/>
           </a:xfrm>
           <a:prstGeom prst="straightConnector1">
             <a:avLst/>
@@ -25830,118 +25895,24 @@
       </p:cxnSp>
       <p:cxnSp>
         <p:nvCxnSpPr>
-          <p:cNvPr id="94" name="Straight Arrow Connector 93">
-            <a:extLst>
-              <a:ext uri="{FF2B5EF4-FFF2-40B4-BE49-F238E27FC236}">
-                <a16:creationId xmlns:a16="http://schemas.microsoft.com/office/drawing/2014/main" id="{575BFC53-18AA-F549-8A68-D541455EB2F3}"/>
+          <p:cNvPr id="112" name="Elbow Connector 111">
+            <a:extLst>
+              <a:ext uri="{FF2B5EF4-FFF2-40B4-BE49-F238E27FC236}">
+                <a16:creationId xmlns:a16="http://schemas.microsoft.com/office/drawing/2014/main" id="{57A1ABFC-8BCB-E047-AF1B-3BBA71EBE516}"/>
               </a:ext>
             </a:extLst>
           </p:cNvPr>
           <p:cNvCxnSpPr>
             <a:cxnSpLocks/>
-            <a:stCxn id="48" idx="3"/>
-          </p:cNvCxnSpPr>
-          <p:nvPr/>
-        </p:nvCxnSpPr>
-        <p:spPr>
-          <a:xfrm>
-            <a:off x="4258736" y="2338149"/>
-            <a:ext cx="2842244" cy="0"/>
-          </a:xfrm>
-          <a:prstGeom prst="straightConnector1">
-            <a:avLst/>
-          </a:prstGeom>
-          <a:ln>
-            <a:solidFill>
-              <a:schemeClr val="tx1"/>
-            </a:solidFill>
-            <a:tailEnd type="triangle"/>
-          </a:ln>
-        </p:spPr>
-        <p:style>
-          <a:lnRef idx="1">
-            <a:schemeClr val="accent1"/>
-          </a:lnRef>
-          <a:fillRef idx="0">
-            <a:schemeClr val="accent1"/>
-          </a:fillRef>
-          <a:effectRef idx="0">
-            <a:schemeClr val="accent1"/>
-          </a:effectRef>
-          <a:fontRef idx="minor">
-            <a:schemeClr val="tx1"/>
-          </a:fontRef>
-        </p:style>
-      </p:cxnSp>
-      <p:cxnSp>
-        <p:nvCxnSpPr>
-          <p:cNvPr id="109" name="Elbow Connector 108">
-            <a:extLst>
-              <a:ext uri="{FF2B5EF4-FFF2-40B4-BE49-F238E27FC236}">
-                <a16:creationId xmlns:a16="http://schemas.microsoft.com/office/drawing/2014/main" id="{F7BF251F-EAF8-BE48-956C-6DFCF0EF154C}"/>
-              </a:ext>
-            </a:extLst>
-          </p:cNvPr>
-          <p:cNvCxnSpPr>
-            <a:cxnSpLocks/>
-            <a:stCxn id="24" idx="1"/>
-            <a:endCxn id="14" idx="1"/>
-          </p:cNvCxnSpPr>
-          <p:nvPr/>
-        </p:nvCxnSpPr>
-        <p:spPr>
-          <a:xfrm rot="10800000">
-            <a:off x="5497973" y="1277921"/>
-            <a:ext cx="6185" cy="3478866"/>
-          </a:xfrm>
-          <a:prstGeom prst="bentConnector3">
-            <a:avLst>
-              <a:gd name="adj1" fmla="val 3796039"/>
-            </a:avLst>
-          </a:prstGeom>
-          <a:ln>
-            <a:solidFill>
-              <a:schemeClr val="bg1">
-                <a:lumMod val="65000"/>
-              </a:schemeClr>
-            </a:solidFill>
-            <a:tailEnd type="triangle"/>
-          </a:ln>
-        </p:spPr>
-        <p:style>
-          <a:lnRef idx="1">
-            <a:schemeClr val="accent1"/>
-          </a:lnRef>
-          <a:fillRef idx="0">
-            <a:schemeClr val="accent1"/>
-          </a:fillRef>
-          <a:effectRef idx="0">
-            <a:schemeClr val="accent1"/>
-          </a:effectRef>
-          <a:fontRef idx="minor">
-            <a:schemeClr val="tx1"/>
-          </a:fontRef>
-        </p:style>
-      </p:cxnSp>
-      <p:cxnSp>
-        <p:nvCxnSpPr>
-          <p:cNvPr id="112" name="Elbow Connector 111">
-            <a:extLst>
-              <a:ext uri="{FF2B5EF4-FFF2-40B4-BE49-F238E27FC236}">
-                <a16:creationId xmlns:a16="http://schemas.microsoft.com/office/drawing/2014/main" id="{57A1ABFC-8BCB-E047-AF1B-3BBA71EBE516}"/>
-              </a:ext>
-            </a:extLst>
-          </p:cNvPr>
-          <p:cNvCxnSpPr>
-            <a:cxnSpLocks/>
+            <a:stCxn id="14" idx="3"/>
             <a:endCxn id="34" idx="0"/>
           </p:cNvCxnSpPr>
           <p:nvPr/>
         </p:nvCxnSpPr>
         <p:spPr>
           <a:xfrm>
-            <a:off x="7412971" y="1262462"/>
-            <a:ext cx="2674563" cy="836361"/>
+            <a:off x="7973392" y="1300271"/>
+            <a:ext cx="2114142" cy="798552"/>
           </a:xfrm>
           <a:prstGeom prst="bentConnector2">
             <a:avLst/>
@@ -26170,7 +26141,7 @@
         <p:spPr>
           <a:xfrm>
             <a:off x="10433304" y="706537"/>
-            <a:ext cx="0" cy="1408957"/>
+            <a:ext cx="0" cy="1392286"/>
           </a:xfrm>
           <a:prstGeom prst="straightConnector1">
             <a:avLst/>
@@ -26299,7 +26270,7 @@
         </p:nvSpPr>
         <p:spPr>
           <a:xfrm>
-            <a:off x="3514404" y="4140432"/>
+            <a:off x="3362002" y="4086570"/>
             <a:ext cx="913715" cy="328281"/>
           </a:xfrm>
           <a:prstGeom prst="ellipse">
@@ -26346,138 +26317,159 @@
           </a:p>
         </p:txBody>
       </p:sp>
-      <p:sp>
-        <p:nvSpPr>
-          <p:cNvPr id="141" name="Rectangle 140">
-            <a:extLst>
-              <a:ext uri="{FF2B5EF4-FFF2-40B4-BE49-F238E27FC236}">
-                <a16:creationId xmlns:a16="http://schemas.microsoft.com/office/drawing/2014/main" id="{B3217120-3AB3-114B-B0EA-F560597BF60A}"/>
-              </a:ext>
-            </a:extLst>
-          </p:cNvPr>
-          <p:cNvSpPr/>
+      <p:grpSp>
+        <p:nvGrpSpPr>
+          <p:cNvPr id="96" name="Group 95">
+            <a:extLst>
+              <a:ext uri="{FF2B5EF4-FFF2-40B4-BE49-F238E27FC236}">
+                <a16:creationId xmlns:a16="http://schemas.microsoft.com/office/drawing/2014/main" id="{64C9DBB1-3D6A-F841-B8AC-714B897C4A8D}"/>
+              </a:ext>
+            </a:extLst>
+          </p:cNvPr>
+          <p:cNvGrpSpPr/>
           <p:nvPr/>
-        </p:nvSpPr>
-        <p:spPr>
+        </p:nvGrpSpPr>
+        <p:grpSpPr>
           <a:xfrm>
-            <a:off x="1530243" y="4566091"/>
-            <a:ext cx="1919001" cy="478652"/>
+            <a:off x="1530243" y="3456678"/>
+            <a:ext cx="1924879" cy="1588065"/>
+            <a:chOff x="1530243" y="3456678"/>
+            <a:chExt cx="1924879" cy="1588065"/>
           </a:xfrm>
-          <a:prstGeom prst="rect">
-            <a:avLst/>
-          </a:prstGeom>
-          <a:solidFill>
-            <a:schemeClr val="bg1"/>
-          </a:solidFill>
-          <a:ln>
+        </p:grpSpPr>
+        <p:sp>
+          <p:nvSpPr>
+            <p:cNvPr id="141" name="Rectangle 140">
+              <a:extLst>
+                <a:ext uri="{FF2B5EF4-FFF2-40B4-BE49-F238E27FC236}">
+                  <a16:creationId xmlns:a16="http://schemas.microsoft.com/office/drawing/2014/main" id="{B3217120-3AB3-114B-B0EA-F560597BF60A}"/>
+                </a:ext>
+              </a:extLst>
+            </p:cNvPr>
+            <p:cNvSpPr/>
+            <p:nvPr/>
+          </p:nvSpPr>
+          <p:spPr>
+            <a:xfrm>
+              <a:off x="1530243" y="4566091"/>
+              <a:ext cx="1919001" cy="478652"/>
+            </a:xfrm>
+            <a:prstGeom prst="rect">
+              <a:avLst/>
+            </a:prstGeom>
             <a:solidFill>
-              <a:schemeClr val="tx1"/>
+              <a:schemeClr val="bg1"/>
             </a:solidFill>
-          </a:ln>
-        </p:spPr>
-        <p:style>
-          <a:lnRef idx="2">
-            <a:schemeClr val="accent1">
-              <a:shade val="50000"/>
-            </a:schemeClr>
-          </a:lnRef>
-          <a:fillRef idx="1">
-            <a:schemeClr val="accent1"/>
-          </a:fillRef>
-          <a:effectRef idx="0">
-            <a:schemeClr val="accent1"/>
-          </a:effectRef>
-          <a:fontRef idx="minor">
-            <a:schemeClr val="lt1"/>
-          </a:fontRef>
-        </p:style>
-        <p:txBody>
-          <a:bodyPr rtlCol="0" anchor="ctr"/>
-          <a:lstStyle/>
-          <a:p>
-            <a:pPr algn="ctr"/>
-            <a:r>
-              <a:rPr lang="en-GB" sz="1100" dirty="0">
+            <a:ln>
+              <a:solidFill>
+                <a:schemeClr val="tx1"/>
+              </a:solidFill>
+            </a:ln>
+          </p:spPr>
+          <p:style>
+            <a:lnRef idx="2">
+              <a:schemeClr val="accent1">
+                <a:shade val="50000"/>
+              </a:schemeClr>
+            </a:lnRef>
+            <a:fillRef idx="1">
+              <a:schemeClr val="accent1"/>
+            </a:fillRef>
+            <a:effectRef idx="0">
+              <a:schemeClr val="accent1"/>
+            </a:effectRef>
+            <a:fontRef idx="minor">
+              <a:schemeClr val="lt1"/>
+            </a:fontRef>
+          </p:style>
+          <p:txBody>
+            <a:bodyPr rtlCol="0" anchor="ctr"/>
+            <a:lstStyle/>
+            <a:p>
+              <a:pPr algn="ctr"/>
+              <a:r>
+                <a:rPr lang="en-GB" sz="1100" dirty="0">
+                  <a:solidFill>
+                    <a:schemeClr val="tx1"/>
+                  </a:solidFill>
+                </a:rPr>
+                <a:t>State_to_features (game_state)</a:t>
+              </a:r>
+              <a:endParaRPr lang="en-DE" sz="1100" dirty="0">
                 <a:solidFill>
                   <a:schemeClr val="tx1"/>
                 </a:solidFill>
-              </a:rPr>
-              <a:t>State_to_features (game_state)</a:t>
-            </a:r>
-            <a:endParaRPr lang="en-DE" sz="1100" dirty="0">
+              </a:endParaRPr>
+            </a:p>
+          </p:txBody>
+        </p:sp>
+        <p:sp>
+          <p:nvSpPr>
+            <p:cNvPr id="142" name="Rectangle 141">
+              <a:extLst>
+                <a:ext uri="{FF2B5EF4-FFF2-40B4-BE49-F238E27FC236}">
+                  <a16:creationId xmlns:a16="http://schemas.microsoft.com/office/drawing/2014/main" id="{1B651791-4297-4248-9E42-A8D288F5B81D}"/>
+                </a:ext>
+              </a:extLst>
+            </p:cNvPr>
+            <p:cNvSpPr/>
+            <p:nvPr/>
+          </p:nvSpPr>
+          <p:spPr>
+            <a:xfrm>
+              <a:off x="1536121" y="3456678"/>
+              <a:ext cx="1919001" cy="478652"/>
+            </a:xfrm>
+            <a:prstGeom prst="rect">
+              <a:avLst/>
+            </a:prstGeom>
+            <a:solidFill>
+              <a:schemeClr val="bg1"/>
+            </a:solidFill>
+            <a:ln>
               <a:solidFill>
                 <a:schemeClr val="tx1"/>
               </a:solidFill>
-            </a:endParaRPr>
-          </a:p>
-        </p:txBody>
-      </p:sp>
-      <p:sp>
-        <p:nvSpPr>
-          <p:cNvPr id="142" name="Rectangle 141">
-            <a:extLst>
-              <a:ext uri="{FF2B5EF4-FFF2-40B4-BE49-F238E27FC236}">
-                <a16:creationId xmlns:a16="http://schemas.microsoft.com/office/drawing/2014/main" id="{1B651791-4297-4248-9E42-A8D288F5B81D}"/>
-              </a:ext>
-            </a:extLst>
-          </p:cNvPr>
-          <p:cNvSpPr/>
-          <p:nvPr/>
-        </p:nvSpPr>
-        <p:spPr>
-          <a:xfrm>
-            <a:off x="1536121" y="3456678"/>
-            <a:ext cx="1919001" cy="478652"/>
-          </a:xfrm>
-          <a:prstGeom prst="rect">
-            <a:avLst/>
-          </a:prstGeom>
-          <a:solidFill>
-            <a:schemeClr val="bg1"/>
-          </a:solidFill>
-          <a:ln>
-            <a:solidFill>
-              <a:schemeClr val="tx1"/>
-            </a:solidFill>
-          </a:ln>
-        </p:spPr>
-        <p:style>
-          <a:lnRef idx="2">
-            <a:schemeClr val="accent1">
-              <a:shade val="50000"/>
-            </a:schemeClr>
-          </a:lnRef>
-          <a:fillRef idx="1">
-            <a:schemeClr val="accent1"/>
-          </a:fillRef>
-          <a:effectRef idx="0">
-            <a:schemeClr val="accent1"/>
-          </a:effectRef>
-          <a:fontRef idx="minor">
-            <a:schemeClr val="lt1"/>
-          </a:fontRef>
-        </p:style>
-        <p:txBody>
-          <a:bodyPr rtlCol="0" anchor="ctr"/>
-          <a:lstStyle/>
-          <a:p>
-            <a:pPr algn="ctr"/>
-            <a:r>
-              <a:rPr lang="en-GB" sz="1100" dirty="0">
+            </a:ln>
+          </p:spPr>
+          <p:style>
+            <a:lnRef idx="2">
+              <a:schemeClr val="accent1">
+                <a:shade val="50000"/>
+              </a:schemeClr>
+            </a:lnRef>
+            <a:fillRef idx="1">
+              <a:schemeClr val="accent1"/>
+            </a:fillRef>
+            <a:effectRef idx="0">
+              <a:schemeClr val="accent1"/>
+            </a:effectRef>
+            <a:fontRef idx="minor">
+              <a:schemeClr val="lt1"/>
+            </a:fontRef>
+          </p:style>
+          <p:txBody>
+            <a:bodyPr rtlCol="0" anchor="ctr"/>
+            <a:lstStyle/>
+            <a:p>
+              <a:pPr algn="ctr"/>
+              <a:r>
+                <a:rPr lang="en-GB" sz="1100" dirty="0">
+                  <a:solidFill>
+                    <a:schemeClr val="tx1"/>
+                  </a:solidFill>
+                </a:rPr>
+                <a:t>Use Model to get best action</a:t>
+              </a:r>
+              <a:endParaRPr lang="en-DE" sz="1100" dirty="0">
                 <a:solidFill>
                   <a:schemeClr val="tx1"/>
                 </a:solidFill>
-              </a:rPr>
-              <a:t>Use Model to get best action</a:t>
-            </a:r>
-            <a:endParaRPr lang="en-DE" sz="1100" dirty="0">
-              <a:solidFill>
-                <a:schemeClr val="tx1"/>
-              </a:solidFill>
-            </a:endParaRPr>
-          </a:p>
-        </p:txBody>
-      </p:sp>
+              </a:endParaRPr>
+            </a:p>
+          </p:txBody>
+        </p:sp>
+      </p:grpSp>
       <p:cxnSp>
         <p:nvCxnSpPr>
           <p:cNvPr id="73" name="Elbow Connector 72">
@@ -26496,8 +26488,8 @@
         </p:nvCxnSpPr>
         <p:spPr>
           <a:xfrm rot="5400000" flipH="1" flipV="1">
-            <a:off x="2160152" y="2673620"/>
-            <a:ext cx="1118529" cy="447589"/>
+            <a:off x="2269008" y="2564764"/>
+            <a:ext cx="1118529" cy="665301"/>
           </a:xfrm>
           <a:prstGeom prst="bentConnector2">
             <a:avLst/>
@@ -26542,8 +26534,8 @@
         </p:nvCxnSpPr>
         <p:spPr>
           <a:xfrm rot="16200000" flipV="1">
-            <a:off x="3004640" y="3173810"/>
-            <a:ext cx="1562957" cy="370288"/>
+            <a:off x="3064226" y="3331936"/>
+            <a:ext cx="1509095" cy="174"/>
           </a:xfrm>
           <a:prstGeom prst="bentConnector3">
             <a:avLst>
@@ -26590,8 +26582,8 @@
         </p:nvCxnSpPr>
         <p:spPr>
           <a:xfrm flipV="1">
-            <a:off x="3701418" y="4468713"/>
-            <a:ext cx="269844" cy="1172518"/>
+            <a:off x="3701418" y="4414851"/>
+            <a:ext cx="117442" cy="1226380"/>
           </a:xfrm>
           <a:prstGeom prst="bentConnector2">
             <a:avLst/>
@@ -26724,7 +26716,7 @@
         </p:nvSpPr>
         <p:spPr>
           <a:xfrm>
-            <a:off x="9428216" y="3507780"/>
+            <a:off x="9428216" y="3899668"/>
             <a:ext cx="1315525" cy="478652"/>
           </a:xfrm>
           <a:prstGeom prst="rect">
@@ -26829,7 +26821,7 @@
         <p:spPr>
           <a:xfrm flipV="1">
             <a:off x="10085979" y="2814807"/>
-            <a:ext cx="1555" cy="692973"/>
+            <a:ext cx="1555" cy="1084861"/>
           </a:xfrm>
           <a:prstGeom prst="straightConnector1">
             <a:avLst/>
@@ -26867,14 +26859,15 @@
           </p:cNvPr>
           <p:cNvCxnSpPr>
             <a:cxnSpLocks/>
+            <a:stCxn id="16" idx="3"/>
             <a:endCxn id="167" idx="1"/>
           </p:cNvCxnSpPr>
           <p:nvPr/>
         </p:nvCxnSpPr>
         <p:spPr>
           <a:xfrm>
-            <a:off x="9242355" y="3747106"/>
-            <a:ext cx="185861" cy="0"/>
+            <a:off x="9275253" y="4134391"/>
+            <a:ext cx="152963" cy="4603"/>
           </a:xfrm>
           <a:prstGeom prst="straightConnector1">
             <a:avLst/>
@@ -26903,27 +26896,429 @@
       </p:cxnSp>
       <p:cxnSp>
         <p:nvCxnSpPr>
-          <p:cNvPr id="182" name="Elbow Connector 181">
-            <a:extLst>
-              <a:ext uri="{FF2B5EF4-FFF2-40B4-BE49-F238E27FC236}">
-                <a16:creationId xmlns:a16="http://schemas.microsoft.com/office/drawing/2014/main" id="{90CDD01A-24EE-764F-953A-D4DAA61AB75A}"/>
+          <p:cNvPr id="29" name="Elbow Connector 28">
+            <a:extLst>
+              <a:ext uri="{FF2B5EF4-FFF2-40B4-BE49-F238E27FC236}">
+                <a16:creationId xmlns:a16="http://schemas.microsoft.com/office/drawing/2014/main" id="{CA160DEC-46F5-EF4E-91A4-6DB9B9148C6B}"/>
               </a:ext>
             </a:extLst>
           </p:cNvPr>
           <p:cNvCxnSpPr>
             <a:cxnSpLocks/>
+            <a:stCxn id="24" idx="1"/>
+            <a:endCxn id="27" idx="1"/>
           </p:cNvCxnSpPr>
           <p:nvPr/>
         </p:nvCxnSpPr>
         <p:spPr>
           <a:xfrm rot="10800000">
-            <a:off x="7416974" y="1378505"/>
-            <a:ext cx="2495123" cy="720318"/>
+            <a:off x="5113410" y="3247745"/>
+            <a:ext cx="12700" cy="1751845"/>
           </a:xfrm>
           <a:prstGeom prst="bentConnector3">
             <a:avLst>
-              <a:gd name="adj1" fmla="val 526"/>
+              <a:gd name="adj1" fmla="val 1800000"/>
             </a:avLst>
+          </a:prstGeom>
+          <a:ln>
+            <a:solidFill>
+              <a:schemeClr val="tx1"/>
+            </a:solidFill>
+            <a:tailEnd type="triangle"/>
+          </a:ln>
+        </p:spPr>
+        <p:style>
+          <a:lnRef idx="1">
+            <a:schemeClr val="accent1"/>
+          </a:lnRef>
+          <a:fillRef idx="0">
+            <a:schemeClr val="accent1"/>
+          </a:fillRef>
+          <a:effectRef idx="0">
+            <a:schemeClr val="accent1"/>
+          </a:effectRef>
+          <a:fontRef idx="minor">
+            <a:schemeClr val="tx1"/>
+          </a:fontRef>
+        </p:style>
+      </p:cxnSp>
+      <p:cxnSp>
+        <p:nvCxnSpPr>
+          <p:cNvPr id="46" name="Elbow Connector 45">
+            <a:extLst>
+              <a:ext uri="{FF2B5EF4-FFF2-40B4-BE49-F238E27FC236}">
+                <a16:creationId xmlns:a16="http://schemas.microsoft.com/office/drawing/2014/main" id="{1833719B-CB8B-434C-A2AA-66A753E4011A}"/>
+              </a:ext>
+            </a:extLst>
+          </p:cNvPr>
+          <p:cNvCxnSpPr>
+            <a:cxnSpLocks/>
+            <a:stCxn id="27" idx="3"/>
+            <a:endCxn id="11" idx="0"/>
+          </p:cNvCxnSpPr>
+          <p:nvPr/>
+        </p:nvCxnSpPr>
+        <p:spPr>
+          <a:xfrm>
+            <a:off x="6428935" y="3247744"/>
+            <a:ext cx="363252" cy="696103"/>
+          </a:xfrm>
+          <a:prstGeom prst="bentConnector2">
+            <a:avLst/>
+          </a:prstGeom>
+          <a:ln>
+            <a:solidFill>
+              <a:schemeClr val="tx1"/>
+            </a:solidFill>
+            <a:tailEnd type="triangle"/>
+          </a:ln>
+        </p:spPr>
+        <p:style>
+          <a:lnRef idx="1">
+            <a:schemeClr val="accent1"/>
+          </a:lnRef>
+          <a:fillRef idx="0">
+            <a:schemeClr val="accent1"/>
+          </a:fillRef>
+          <a:effectRef idx="0">
+            <a:schemeClr val="accent1"/>
+          </a:effectRef>
+          <a:fontRef idx="minor">
+            <a:schemeClr val="tx1"/>
+          </a:fontRef>
+        </p:style>
+      </p:cxnSp>
+      <p:cxnSp>
+        <p:nvCxnSpPr>
+          <p:cNvPr id="50" name="Elbow Connector 49">
+            <a:extLst>
+              <a:ext uri="{FF2B5EF4-FFF2-40B4-BE49-F238E27FC236}">
+                <a16:creationId xmlns:a16="http://schemas.microsoft.com/office/drawing/2014/main" id="{E363EA81-BF76-A640-8418-1B2B359B3F78}"/>
+              </a:ext>
+            </a:extLst>
+          </p:cNvPr>
+          <p:cNvCxnSpPr>
+            <a:cxnSpLocks/>
+            <a:stCxn id="25" idx="3"/>
+            <a:endCxn id="19" idx="1"/>
+          </p:cNvCxnSpPr>
+          <p:nvPr/>
+        </p:nvCxnSpPr>
+        <p:spPr>
+          <a:xfrm>
+            <a:off x="6431119" y="4132051"/>
+            <a:ext cx="208359" cy="4787"/>
+          </a:xfrm>
+          <a:prstGeom prst="bentConnector3">
+            <a:avLst>
+              <a:gd name="adj1" fmla="val 50000"/>
+            </a:avLst>
+          </a:prstGeom>
+          <a:ln>
+            <a:solidFill>
+              <a:schemeClr val="tx1"/>
+            </a:solidFill>
+            <a:tailEnd type="triangle"/>
+          </a:ln>
+        </p:spPr>
+        <p:style>
+          <a:lnRef idx="1">
+            <a:schemeClr val="accent1"/>
+          </a:lnRef>
+          <a:fillRef idx="0">
+            <a:schemeClr val="accent1"/>
+          </a:fillRef>
+          <a:effectRef idx="0">
+            <a:schemeClr val="accent1"/>
+          </a:effectRef>
+          <a:fontRef idx="minor">
+            <a:schemeClr val="tx1"/>
+          </a:fontRef>
+        </p:style>
+      </p:cxnSp>
+      <p:cxnSp>
+        <p:nvCxnSpPr>
+          <p:cNvPr id="52" name="Elbow Connector 51">
+            <a:extLst>
+              <a:ext uri="{FF2B5EF4-FFF2-40B4-BE49-F238E27FC236}">
+                <a16:creationId xmlns:a16="http://schemas.microsoft.com/office/drawing/2014/main" id="{92EA478C-6E4F-F245-8B4A-8E00E7EAE54C}"/>
+              </a:ext>
+            </a:extLst>
+          </p:cNvPr>
+          <p:cNvCxnSpPr>
+            <a:cxnSpLocks/>
+            <a:stCxn id="24" idx="3"/>
+            <a:endCxn id="11" idx="4"/>
+          </p:cNvCxnSpPr>
+          <p:nvPr/>
+        </p:nvCxnSpPr>
+        <p:spPr>
+          <a:xfrm flipV="1">
+            <a:off x="6428935" y="4329828"/>
+            <a:ext cx="363252" cy="669761"/>
+          </a:xfrm>
+          <a:prstGeom prst="bentConnector2">
+            <a:avLst/>
+          </a:prstGeom>
+          <a:ln>
+            <a:solidFill>
+              <a:schemeClr val="tx1"/>
+            </a:solidFill>
+            <a:tailEnd type="triangle"/>
+          </a:ln>
+        </p:spPr>
+        <p:style>
+          <a:lnRef idx="1">
+            <a:schemeClr val="accent1"/>
+          </a:lnRef>
+          <a:fillRef idx="0">
+            <a:schemeClr val="accent1"/>
+          </a:fillRef>
+          <a:effectRef idx="0">
+            <a:schemeClr val="accent1"/>
+          </a:effectRef>
+          <a:fontRef idx="minor">
+            <a:schemeClr val="tx1"/>
+          </a:fontRef>
+        </p:style>
+      </p:cxnSp>
+      <p:cxnSp>
+        <p:nvCxnSpPr>
+          <p:cNvPr id="55" name="Elbow Connector 54">
+            <a:extLst>
+              <a:ext uri="{FF2B5EF4-FFF2-40B4-BE49-F238E27FC236}">
+                <a16:creationId xmlns:a16="http://schemas.microsoft.com/office/drawing/2014/main" id="{F2F82419-984D-DC4B-A908-104299C07665}"/>
+              </a:ext>
+            </a:extLst>
+          </p:cNvPr>
+          <p:cNvCxnSpPr>
+            <a:cxnSpLocks/>
+            <a:stCxn id="48" idx="3"/>
+            <a:endCxn id="11" idx="0"/>
+          </p:cNvCxnSpPr>
+          <p:nvPr/>
+        </p:nvCxnSpPr>
+        <p:spPr>
+          <a:xfrm>
+            <a:off x="4476448" y="2338149"/>
+            <a:ext cx="2315739" cy="1605698"/>
+          </a:xfrm>
+          <a:prstGeom prst="bentConnector2">
+            <a:avLst/>
+          </a:prstGeom>
+          <a:ln>
+            <a:solidFill>
+              <a:schemeClr val="tx1"/>
+            </a:solidFill>
+            <a:tailEnd type="triangle"/>
+          </a:ln>
+        </p:spPr>
+        <p:style>
+          <a:lnRef idx="1">
+            <a:schemeClr val="accent1"/>
+          </a:lnRef>
+          <a:fillRef idx="0">
+            <a:schemeClr val="accent1"/>
+          </a:fillRef>
+          <a:effectRef idx="0">
+            <a:schemeClr val="accent1"/>
+          </a:effectRef>
+          <a:fontRef idx="minor">
+            <a:schemeClr val="tx1"/>
+          </a:fontRef>
+        </p:style>
+      </p:cxnSp>
+      <p:grpSp>
+        <p:nvGrpSpPr>
+          <p:cNvPr id="21" name="Group 20">
+            <a:extLst>
+              <a:ext uri="{FF2B5EF4-FFF2-40B4-BE49-F238E27FC236}">
+                <a16:creationId xmlns:a16="http://schemas.microsoft.com/office/drawing/2014/main" id="{8116651F-65BA-E547-9419-398707B95903}"/>
+              </a:ext>
+            </a:extLst>
+          </p:cNvPr>
+          <p:cNvGrpSpPr/>
+          <p:nvPr/>
+        </p:nvGrpSpPr>
+        <p:grpSpPr>
+          <a:xfrm>
+            <a:off x="6615018" y="3943847"/>
+            <a:ext cx="354338" cy="385981"/>
+            <a:chOff x="9520948" y="5054972"/>
+            <a:chExt cx="669671" cy="670275"/>
+          </a:xfrm>
+        </p:grpSpPr>
+        <p:sp>
+          <p:nvSpPr>
+            <p:cNvPr id="11" name="Oval 10">
+              <a:extLst>
+                <a:ext uri="{FF2B5EF4-FFF2-40B4-BE49-F238E27FC236}">
+                  <a16:creationId xmlns:a16="http://schemas.microsoft.com/office/drawing/2014/main" id="{1E6144A0-1888-3F47-AF81-16A1173C4A0F}"/>
+                </a:ext>
+              </a:extLst>
+            </p:cNvPr>
+            <p:cNvSpPr/>
+            <p:nvPr/>
+          </p:nvSpPr>
+          <p:spPr>
+            <a:xfrm>
+              <a:off x="9520948" y="5054972"/>
+              <a:ext cx="669671" cy="670275"/>
+            </a:xfrm>
+            <a:prstGeom prst="ellipse">
+              <a:avLst/>
+            </a:prstGeom>
+            <a:solidFill>
+              <a:srgbClr val="FF0000"/>
+            </a:solidFill>
+            <a:ln>
+              <a:solidFill>
+                <a:schemeClr val="tx1"/>
+              </a:solidFill>
+            </a:ln>
+          </p:spPr>
+          <p:style>
+            <a:lnRef idx="2">
+              <a:schemeClr val="accent1">
+                <a:shade val="50000"/>
+              </a:schemeClr>
+            </a:lnRef>
+            <a:fillRef idx="1">
+              <a:schemeClr val="accent1"/>
+            </a:fillRef>
+            <a:effectRef idx="0">
+              <a:schemeClr val="accent1"/>
+            </a:effectRef>
+            <a:fontRef idx="minor">
+              <a:schemeClr val="lt1"/>
+            </a:fontRef>
+          </p:style>
+          <p:txBody>
+            <a:bodyPr rtlCol="0" anchor="ctr"/>
+            <a:lstStyle/>
+            <a:p>
+              <a:pPr algn="ctr"/>
+              <a:endParaRPr lang="en-DE"/>
+            </a:p>
+          </p:txBody>
+        </p:sp>
+        <p:grpSp>
+          <p:nvGrpSpPr>
+            <p:cNvPr id="20" name="Group 19">
+              <a:extLst>
+                <a:ext uri="{FF2B5EF4-FFF2-40B4-BE49-F238E27FC236}">
+                  <a16:creationId xmlns:a16="http://schemas.microsoft.com/office/drawing/2014/main" id="{28CFBE26-3BE6-C047-8114-3DD4DDD0A522}"/>
+                </a:ext>
+              </a:extLst>
+            </p:cNvPr>
+            <p:cNvGrpSpPr/>
+            <p:nvPr/>
+          </p:nvGrpSpPr>
+          <p:grpSpPr>
+            <a:xfrm>
+              <a:off x="9567175" y="5190829"/>
+              <a:ext cx="577216" cy="398560"/>
+              <a:chOff x="8033384" y="5203478"/>
+              <a:chExt cx="1517623" cy="914400"/>
+            </a:xfrm>
+          </p:grpSpPr>
+          <p:pic>
+            <p:nvPicPr>
+              <p:cNvPr id="17" name="Graphic 16" descr="Pause with solid fill">
+                <a:extLst>
+                  <a:ext uri="{FF2B5EF4-FFF2-40B4-BE49-F238E27FC236}">
+                    <a16:creationId xmlns:a16="http://schemas.microsoft.com/office/drawing/2014/main" id="{363F811C-7811-0041-B67C-1AC56F043133}"/>
+                  </a:ext>
+                </a:extLst>
+              </p:cNvPr>
+              <p:cNvPicPr>
+                <a:picLocks noChangeAspect="1"/>
+              </p:cNvPicPr>
+              <p:nvPr/>
+            </p:nvPicPr>
+            <p:blipFill>
+              <a:blip r:embed="rId3">
+                <a:extLst>
+                  <a:ext uri="{96DAC541-7B7A-43D3-8B79-37D633B846F1}">
+                    <asvg:svgBlip xmlns:asvg="http://schemas.microsoft.com/office/drawing/2016/SVG/main" r:embed="rId4"/>
+                  </a:ext>
+                </a:extLst>
+              </a:blip>
+              <a:stretch>
+                <a:fillRect/>
+              </a:stretch>
+            </p:blipFill>
+            <p:spPr>
+              <a:xfrm>
+                <a:off x="8636607" y="5203478"/>
+                <a:ext cx="914400" cy="914400"/>
+              </a:xfrm>
+              <a:prstGeom prst="rect">
+                <a:avLst/>
+              </a:prstGeom>
+            </p:spPr>
+          </p:pic>
+          <p:pic>
+            <p:nvPicPr>
+              <p:cNvPr id="19" name="Graphic 18" descr="Play with solid fill">
+                <a:extLst>
+                  <a:ext uri="{FF2B5EF4-FFF2-40B4-BE49-F238E27FC236}">
+                    <a16:creationId xmlns:a16="http://schemas.microsoft.com/office/drawing/2014/main" id="{3F45E320-451C-BB43-95AE-DCCB208094D6}"/>
+                  </a:ext>
+                </a:extLst>
+              </p:cNvPr>
+              <p:cNvPicPr>
+                <a:picLocks noChangeAspect="1"/>
+              </p:cNvPicPr>
+              <p:nvPr/>
+            </p:nvPicPr>
+            <p:blipFill>
+              <a:blip r:embed="rId5">
+                <a:extLst>
+                  <a:ext uri="{96DAC541-7B7A-43D3-8B79-37D633B846F1}">
+                    <asvg:svgBlip xmlns:asvg="http://schemas.microsoft.com/office/drawing/2016/SVG/main" r:embed="rId6"/>
+                  </a:ext>
+                </a:extLst>
+              </a:blip>
+              <a:stretch>
+                <a:fillRect/>
+              </a:stretch>
+            </p:blipFill>
+            <p:spPr>
+              <a:xfrm>
+                <a:off x="8033384" y="5203478"/>
+                <a:ext cx="914400" cy="914400"/>
+              </a:xfrm>
+              <a:prstGeom prst="rect">
+                <a:avLst/>
+              </a:prstGeom>
+            </p:spPr>
+          </p:pic>
+        </p:grpSp>
+      </p:grpSp>
+      <p:cxnSp>
+        <p:nvCxnSpPr>
+          <p:cNvPr id="104" name="Elbow Connector 103">
+            <a:extLst>
+              <a:ext uri="{FF2B5EF4-FFF2-40B4-BE49-F238E27FC236}">
+                <a16:creationId xmlns:a16="http://schemas.microsoft.com/office/drawing/2014/main" id="{C0455EDC-14E9-7E4D-B12A-72B4DF62768A}"/>
+              </a:ext>
+            </a:extLst>
+          </p:cNvPr>
+          <p:cNvCxnSpPr>
+            <a:cxnSpLocks/>
+            <a:stCxn id="11" idx="6"/>
+            <a:endCxn id="14" idx="2"/>
+          </p:cNvCxnSpPr>
+          <p:nvPr/>
+        </p:nvCxnSpPr>
+        <p:spPr>
+          <a:xfrm flipV="1">
+            <a:off x="6969356" y="1640914"/>
+            <a:ext cx="44536" cy="2495924"/>
+          </a:xfrm>
+          <a:prstGeom prst="bentConnector2">
+            <a:avLst/>
           </a:prstGeom>
           <a:ln>
             <a:solidFill>
@@ -26951,22 +27346,24 @@
       </p:cxnSp>
       <p:cxnSp>
         <p:nvCxnSpPr>
-          <p:cNvPr id="200" name="Straight Arrow Connector 199">
-            <a:extLst>
-              <a:ext uri="{FF2B5EF4-FFF2-40B4-BE49-F238E27FC236}">
-                <a16:creationId xmlns:a16="http://schemas.microsoft.com/office/drawing/2014/main" id="{21918AD8-888C-204E-9908-E80E1EA1E9F3}"/>
+          <p:cNvPr id="98" name="Straight Arrow Connector 97">
+            <a:extLst>
+              <a:ext uri="{FF2B5EF4-FFF2-40B4-BE49-F238E27FC236}">
+                <a16:creationId xmlns:a16="http://schemas.microsoft.com/office/drawing/2014/main" id="{4A905E18-4327-3345-95C3-8FBFB12F0D8B}"/>
               </a:ext>
             </a:extLst>
           </p:cNvPr>
           <p:cNvCxnSpPr>
             <a:cxnSpLocks/>
+            <a:stCxn id="11" idx="6"/>
+            <a:endCxn id="16" idx="1"/>
           </p:cNvCxnSpPr>
           <p:nvPr/>
         </p:nvCxnSpPr>
         <p:spPr>
-          <a:xfrm>
-            <a:off x="6819682" y="2790543"/>
-            <a:ext cx="281298" cy="0"/>
+          <a:xfrm flipV="1">
+            <a:off x="6969356" y="4134391"/>
+            <a:ext cx="173666" cy="2447"/>
           </a:xfrm>
           <a:prstGeom prst="straightConnector1">
             <a:avLst/>
@@ -26993,147 +27390,316 @@
           </a:fontRef>
         </p:style>
       </p:cxnSp>
-      <p:cxnSp>
-        <p:nvCxnSpPr>
-          <p:cNvPr id="206" name="Elbow Connector 205">
-            <a:extLst>
-              <a:ext uri="{FF2B5EF4-FFF2-40B4-BE49-F238E27FC236}">
-                <a16:creationId xmlns:a16="http://schemas.microsoft.com/office/drawing/2014/main" id="{688146DB-5F1E-7747-BDC8-445BEBECA654}"/>
-              </a:ext>
-            </a:extLst>
-          </p:cNvPr>
-          <p:cNvCxnSpPr>
-            <a:cxnSpLocks/>
-            <a:stCxn id="24" idx="3"/>
-            <a:endCxn id="30" idx="2"/>
-          </p:cNvCxnSpPr>
+      <p:sp>
+        <p:nvSpPr>
+          <p:cNvPr id="114" name="Rectangle 113">
+            <a:extLst>
+              <a:ext uri="{FF2B5EF4-FFF2-40B4-BE49-F238E27FC236}">
+                <a16:creationId xmlns:a16="http://schemas.microsoft.com/office/drawing/2014/main" id="{265F4B1F-394F-DC42-B421-0F3D5EE9E2EE}"/>
+              </a:ext>
+            </a:extLst>
+          </p:cNvPr>
+          <p:cNvSpPr/>
           <p:nvPr/>
-        </p:nvCxnSpPr>
+        </p:nvSpPr>
         <p:spPr>
           <a:xfrm>
-            <a:off x="6819682" y="4756787"/>
-            <a:ext cx="1347414" cy="376486"/>
+            <a:off x="2418520" y="227885"/>
+            <a:ext cx="232001" cy="146761"/>
           </a:xfrm>
-          <a:prstGeom prst="bentConnector4">
-            <a:avLst>
-              <a:gd name="adj1" fmla="val 9645"/>
-              <a:gd name="adj2" fmla="val 160719"/>
-            </a:avLst>
+          <a:prstGeom prst="rect">
+            <a:avLst/>
           </a:prstGeom>
+          <a:noFill/>
           <a:ln>
-            <a:solidFill>
-              <a:schemeClr val="tx1"/>
-            </a:solidFill>
-            <a:tailEnd type="triangle"/>
+            <a:noFill/>
           </a:ln>
         </p:spPr>
         <p:style>
-          <a:lnRef idx="1">
-            <a:schemeClr val="accent1"/>
+          <a:lnRef idx="2">
+            <a:schemeClr val="accent1">
+              <a:shade val="50000"/>
+            </a:schemeClr>
           </a:lnRef>
-          <a:fillRef idx="0">
+          <a:fillRef idx="1">
             <a:schemeClr val="accent1"/>
           </a:fillRef>
           <a:effectRef idx="0">
             <a:schemeClr val="accent1"/>
           </a:effectRef>
           <a:fontRef idx="minor">
-            <a:schemeClr val="tx1"/>
+            <a:schemeClr val="lt1"/>
           </a:fontRef>
         </p:style>
-      </p:cxnSp>
-      <p:cxnSp>
-        <p:nvCxnSpPr>
-          <p:cNvPr id="211" name="Straight Arrow Connector 210">
-            <a:extLst>
-              <a:ext uri="{FF2B5EF4-FFF2-40B4-BE49-F238E27FC236}">
-                <a16:creationId xmlns:a16="http://schemas.microsoft.com/office/drawing/2014/main" id="{EA6F1833-4782-084D-B50A-C736E9564924}"/>
-              </a:ext>
-            </a:extLst>
-          </p:cNvPr>
-          <p:cNvCxnSpPr>
-            <a:cxnSpLocks/>
-          </p:cNvCxnSpPr>
+        <p:txBody>
+          <a:bodyPr rtlCol="0" anchor="t"/>
+          <a:lstStyle/>
+          <a:p>
+            <a:pPr algn="ctr"/>
+            <a:r>
+              <a:rPr lang="en-GB" sz="1400" b="1" dirty="0">
+                <a:solidFill>
+                  <a:schemeClr val="tx1"/>
+                </a:solidFill>
+              </a:rPr>
+              <a:t>C</a:t>
+            </a:r>
+            <a:endParaRPr lang="en-DE" sz="1100" b="1" dirty="0">
+              <a:solidFill>
+                <a:schemeClr val="tx1"/>
+              </a:solidFill>
+            </a:endParaRPr>
+          </a:p>
+        </p:txBody>
+      </p:sp>
+      <p:sp>
+        <p:nvSpPr>
+          <p:cNvPr id="115" name="Rectangle 114">
+            <a:extLst>
+              <a:ext uri="{FF2B5EF4-FFF2-40B4-BE49-F238E27FC236}">
+                <a16:creationId xmlns:a16="http://schemas.microsoft.com/office/drawing/2014/main" id="{732E080F-6188-2C43-99B3-159F5A6F31C4}"/>
+              </a:ext>
+            </a:extLst>
+          </p:cNvPr>
+          <p:cNvSpPr/>
           <p:nvPr/>
-        </p:nvCxnSpPr>
+        </p:nvSpPr>
         <p:spPr>
           <a:xfrm>
-            <a:off x="6827525" y="4756787"/>
-            <a:ext cx="281298" cy="0"/>
+            <a:off x="4361016" y="3029868"/>
+            <a:ext cx="232001" cy="146761"/>
           </a:xfrm>
-          <a:prstGeom prst="straightConnector1">
+          <a:prstGeom prst="rect">
             <a:avLst/>
           </a:prstGeom>
+          <a:noFill/>
           <a:ln>
-            <a:solidFill>
-              <a:schemeClr val="tx1"/>
-            </a:solidFill>
-            <a:tailEnd type="triangle"/>
+            <a:noFill/>
           </a:ln>
         </p:spPr>
         <p:style>
-          <a:lnRef idx="1">
-            <a:schemeClr val="accent1"/>
+          <a:lnRef idx="2">
+            <a:schemeClr val="accent1">
+              <a:shade val="50000"/>
+            </a:schemeClr>
           </a:lnRef>
-          <a:fillRef idx="0">
+          <a:fillRef idx="1">
             <a:schemeClr val="accent1"/>
           </a:fillRef>
           <a:effectRef idx="0">
             <a:schemeClr val="accent1"/>
           </a:effectRef>
           <a:fontRef idx="minor">
-            <a:schemeClr val="tx1"/>
+            <a:schemeClr val="lt1"/>
           </a:fontRef>
         </p:style>
-      </p:cxnSp>
-      <p:cxnSp>
-        <p:nvCxnSpPr>
-          <p:cNvPr id="29" name="Elbow Connector 28">
-            <a:extLst>
-              <a:ext uri="{FF2B5EF4-FFF2-40B4-BE49-F238E27FC236}">
-                <a16:creationId xmlns:a16="http://schemas.microsoft.com/office/drawing/2014/main" id="{CA160DEC-46F5-EF4E-91A4-6DB9B9148C6B}"/>
-              </a:ext>
-            </a:extLst>
-          </p:cNvPr>
-          <p:cNvCxnSpPr>
-            <a:cxnSpLocks/>
-            <a:stCxn id="24" idx="1"/>
-            <a:endCxn id="27" idx="1"/>
-          </p:cNvCxnSpPr>
+        <p:txBody>
+          <a:bodyPr rtlCol="0" anchor="ctr"/>
+          <a:lstStyle/>
+          <a:p>
+            <a:pPr algn="ctr"/>
+            <a:r>
+              <a:rPr lang="en-GB" sz="1400" b="1" dirty="0">
+                <a:solidFill>
+                  <a:schemeClr val="tx1"/>
+                </a:solidFill>
+              </a:rPr>
+              <a:t>C</a:t>
+            </a:r>
+            <a:endParaRPr lang="en-DE" sz="1100" b="1" dirty="0">
+              <a:solidFill>
+                <a:schemeClr val="tx1"/>
+              </a:solidFill>
+            </a:endParaRPr>
+          </a:p>
+        </p:txBody>
+      </p:sp>
+      <p:sp>
+        <p:nvSpPr>
+          <p:cNvPr id="116" name="Rectangle 115">
+            <a:extLst>
+              <a:ext uri="{FF2B5EF4-FFF2-40B4-BE49-F238E27FC236}">
+                <a16:creationId xmlns:a16="http://schemas.microsoft.com/office/drawing/2014/main" id="{2FA765A1-DD84-DD40-ABB6-2C729371E40C}"/>
+              </a:ext>
+            </a:extLst>
+          </p:cNvPr>
+          <p:cNvSpPr/>
           <p:nvPr/>
-        </p:nvCxnSpPr>
+        </p:nvSpPr>
         <p:spPr>
-          <a:xfrm rot="10800000">
-            <a:off x="5497973" y="2790543"/>
-            <a:ext cx="6185" cy="1966244"/>
+          <a:xfrm>
+            <a:off x="9043252" y="3029868"/>
+            <a:ext cx="232001" cy="146761"/>
           </a:xfrm>
-          <a:prstGeom prst="bentConnector3">
-            <a:avLst>
-              <a:gd name="adj1" fmla="val 3796039"/>
-            </a:avLst>
+          <a:prstGeom prst="rect">
+            <a:avLst/>
           </a:prstGeom>
+          <a:noFill/>
           <a:ln>
-            <a:solidFill>
-              <a:schemeClr val="tx1"/>
-            </a:solidFill>
-            <a:tailEnd type="triangle"/>
+            <a:noFill/>
           </a:ln>
         </p:spPr>
         <p:style>
-          <a:lnRef idx="1">
-            <a:schemeClr val="accent1"/>
+          <a:lnRef idx="2">
+            <a:schemeClr val="accent1">
+              <a:shade val="50000"/>
+            </a:schemeClr>
           </a:lnRef>
-          <a:fillRef idx="0">
+          <a:fillRef idx="1">
             <a:schemeClr val="accent1"/>
           </a:fillRef>
           <a:effectRef idx="0">
             <a:schemeClr val="accent1"/>
           </a:effectRef>
           <a:fontRef idx="minor">
-            <a:schemeClr val="tx1"/>
+            <a:schemeClr val="lt1"/>
           </a:fontRef>
         </p:style>
-      </p:cxnSp>
+        <p:txBody>
+          <a:bodyPr rtlCol="0" anchor="t"/>
+          <a:lstStyle/>
+          <a:p>
+            <a:pPr algn="ctr"/>
+            <a:r>
+              <a:rPr lang="en-GB" sz="1400" b="1" dirty="0">
+                <a:solidFill>
+                  <a:schemeClr val="tx1"/>
+                </a:solidFill>
+              </a:rPr>
+              <a:t>T</a:t>
+            </a:r>
+            <a:endParaRPr lang="en-DE" sz="1100" b="1" dirty="0">
+              <a:solidFill>
+                <a:schemeClr val="tx1"/>
+              </a:solidFill>
+            </a:endParaRPr>
+          </a:p>
+        </p:txBody>
+      </p:sp>
+      <p:sp>
+        <p:nvSpPr>
+          <p:cNvPr id="118" name="Rectangle 117">
+            <a:extLst>
+              <a:ext uri="{FF2B5EF4-FFF2-40B4-BE49-F238E27FC236}">
+                <a16:creationId xmlns:a16="http://schemas.microsoft.com/office/drawing/2014/main" id="{44491A08-00B3-A740-A399-65628CC610D2}"/>
+              </a:ext>
+            </a:extLst>
+          </p:cNvPr>
+          <p:cNvSpPr/>
+          <p:nvPr/>
+        </p:nvSpPr>
+        <p:spPr>
+          <a:xfrm>
+            <a:off x="7741391" y="959628"/>
+            <a:ext cx="232001" cy="146761"/>
+          </a:xfrm>
+          <a:prstGeom prst="rect">
+            <a:avLst/>
+          </a:prstGeom>
+          <a:noFill/>
+          <a:ln>
+            <a:noFill/>
+          </a:ln>
+        </p:spPr>
+        <p:style>
+          <a:lnRef idx="2">
+            <a:schemeClr val="accent1">
+              <a:shade val="50000"/>
+            </a:schemeClr>
+          </a:lnRef>
+          <a:fillRef idx="1">
+            <a:schemeClr val="accent1"/>
+          </a:fillRef>
+          <a:effectRef idx="0">
+            <a:schemeClr val="accent1"/>
+          </a:effectRef>
+          <a:fontRef idx="minor">
+            <a:schemeClr val="lt1"/>
+          </a:fontRef>
+        </p:style>
+        <p:txBody>
+          <a:bodyPr rtlCol="0" anchor="t"/>
+          <a:lstStyle/>
+          <a:p>
+            <a:pPr algn="ctr"/>
+            <a:r>
+              <a:rPr lang="en-GB" sz="1400" b="1" dirty="0">
+                <a:solidFill>
+                  <a:schemeClr val="tx1"/>
+                </a:solidFill>
+              </a:rPr>
+              <a:t>T</a:t>
+            </a:r>
+            <a:endParaRPr lang="en-DE" sz="1100" b="1" dirty="0">
+              <a:solidFill>
+                <a:schemeClr val="tx1"/>
+              </a:solidFill>
+            </a:endParaRPr>
+          </a:p>
+        </p:txBody>
+      </p:sp>
+      <p:sp>
+        <p:nvSpPr>
+          <p:cNvPr id="123" name="Rectangle 122">
+            <a:extLst>
+              <a:ext uri="{FF2B5EF4-FFF2-40B4-BE49-F238E27FC236}">
+                <a16:creationId xmlns:a16="http://schemas.microsoft.com/office/drawing/2014/main" id="{D2552105-5FC3-6647-B4E4-62E1CC1F8D8C}"/>
+              </a:ext>
+            </a:extLst>
+          </p:cNvPr>
+          <p:cNvSpPr/>
+          <p:nvPr/>
+        </p:nvSpPr>
+        <p:spPr>
+          <a:xfrm>
+            <a:off x="10761732" y="227885"/>
+            <a:ext cx="232001" cy="146761"/>
+          </a:xfrm>
+          <a:prstGeom prst="rect">
+            <a:avLst/>
+          </a:prstGeom>
+          <a:noFill/>
+          <a:ln>
+            <a:noFill/>
+          </a:ln>
+        </p:spPr>
+        <p:style>
+          <a:lnRef idx="2">
+            <a:schemeClr val="accent1">
+              <a:shade val="50000"/>
+            </a:schemeClr>
+          </a:lnRef>
+          <a:fillRef idx="1">
+            <a:schemeClr val="accent1"/>
+          </a:fillRef>
+          <a:effectRef idx="0">
+            <a:schemeClr val="accent1"/>
+          </a:effectRef>
+          <a:fontRef idx="minor">
+            <a:schemeClr val="lt1"/>
+          </a:fontRef>
+        </p:style>
+        <p:txBody>
+          <a:bodyPr rtlCol="0" anchor="t"/>
+          <a:lstStyle/>
+          <a:p>
+            <a:pPr algn="ctr"/>
+            <a:r>
+              <a:rPr lang="en-GB" sz="1400" b="1" dirty="0">
+                <a:solidFill>
+                  <a:schemeClr val="tx1"/>
+                </a:solidFill>
+              </a:rPr>
+              <a:t>T</a:t>
+            </a:r>
+            <a:endParaRPr lang="en-DE" sz="1100" b="1" dirty="0">
+              <a:solidFill>
+                <a:schemeClr val="tx1"/>
+              </a:solidFill>
+            </a:endParaRPr>
+          </a:p>
+        </p:txBody>
+      </p:sp>
     </p:spTree>
     <p:extLst>
       <p:ext uri="{BB962C8B-B14F-4D97-AF65-F5344CB8AC3E}">
